--- a/AR4.4.0/Methodology and Metamodel.pptx
+++ b/AR4.4.0/Methodology and Metamodel.pptx
@@ -14,6 +14,8 @@
     <p:sldId id="262" r:id="rId8"/>
     <p:sldId id="263" r:id="rId9"/>
     <p:sldId id="264" r:id="rId10"/>
+    <p:sldId id="265" r:id="rId11"/>
+    <p:sldId id="266" r:id="rId12"/>
   </p:sldIdLst>
   <p:sldSz cx="12192000" cy="6858000"/>
   <p:notesSz cx="6858000" cy="9144000"/>
@@ -3445,6 +3447,797 @@
     <p:extLst>
       <p:ext uri="{BB962C8B-B14F-4D97-AF65-F5344CB8AC3E}">
         <p14:creationId xmlns:p14="http://schemas.microsoft.com/office/powerpoint/2010/main" val="4209557182"/>
+      </p:ext>
+    </p:extLst>
+  </p:cSld>
+  <p:clrMapOvr>
+    <a:masterClrMapping/>
+  </p:clrMapOvr>
+</p:sld>
+</file>
+
+<file path=ppt/slides/slide10.xml><?xml version="1.0" encoding="utf-8"?>
+<p:sld xmlns:a="http://schemas.openxmlformats.org/drawingml/2006/main" xmlns:r="http://schemas.openxmlformats.org/officeDocument/2006/relationships" xmlns:p="http://schemas.openxmlformats.org/presentationml/2006/main">
+  <p:cSld>
+    <p:spTree>
+      <p:nvGrpSpPr>
+        <p:cNvPr id="1" name=""/>
+        <p:cNvGrpSpPr/>
+        <p:nvPr/>
+      </p:nvGrpSpPr>
+      <p:grpSpPr>
+        <a:xfrm>
+          <a:off x="0" y="0"/>
+          <a:ext cx="0" cy="0"/>
+          <a:chOff x="0" y="0"/>
+          <a:chExt cx="0" cy="0"/>
+        </a:xfrm>
+      </p:grpSpPr>
+      <p:sp>
+        <p:nvSpPr>
+          <p:cNvPr id="2" name="Rectangle 1">
+            <a:extLst>
+              <a:ext uri="{FF2B5EF4-FFF2-40B4-BE49-F238E27FC236}">
+                <a16:creationId xmlns:a16="http://schemas.microsoft.com/office/drawing/2014/main" id="{9A9D8685-FFDC-4434-BB92-2719F3097F38}"/>
+              </a:ext>
+            </a:extLst>
+          </p:cNvPr>
+          <p:cNvSpPr/>
+          <p:nvPr/>
+        </p:nvSpPr>
+        <p:spPr>
+          <a:xfrm>
+            <a:off x="1901734" y="0"/>
+            <a:ext cx="7914411" cy="923330"/>
+          </a:xfrm>
+          <a:prstGeom prst="rect">
+            <a:avLst/>
+          </a:prstGeom>
+          <a:noFill/>
+        </p:spPr>
+        <p:txBody>
+          <a:bodyPr wrap="none" lIns="91440" tIns="45720" rIns="91440" bIns="45720">
+            <a:spAutoFit/>
+          </a:bodyPr>
+          <a:lstStyle/>
+          <a:p>
+            <a:pPr algn="ctr"/>
+            <a:r>
+              <a:rPr lang="en-US" sz="5400" b="1" cap="none" spc="0" dirty="0">
+                <a:ln w="13462">
+                  <a:solidFill>
+                    <a:schemeClr val="bg1"/>
+                  </a:solidFill>
+                  <a:prstDash val="solid"/>
+                </a:ln>
+                <a:solidFill>
+                  <a:schemeClr val="tx1">
+                    <a:lumMod val="85000"/>
+                    <a:lumOff val="15000"/>
+                  </a:schemeClr>
+                </a:solidFill>
+                <a:effectLst>
+                  <a:outerShdw dist="38100" dir="2700000" algn="bl" rotWithShape="0">
+                    <a:schemeClr val="accent5"/>
+                  </a:outerShdw>
+                </a:effectLst>
+              </a:rPr>
+              <a:t>Autosar Metamodel - Links</a:t>
+            </a:r>
+          </a:p>
+        </p:txBody>
+      </p:sp>
+      <p:sp>
+        <p:nvSpPr>
+          <p:cNvPr id="3" name="TextBox 2">
+            <a:extLst>
+              <a:ext uri="{FF2B5EF4-FFF2-40B4-BE49-F238E27FC236}">
+                <a16:creationId xmlns:a16="http://schemas.microsoft.com/office/drawing/2014/main" id="{CFE9E39D-A6E8-4A1F-8E95-88BE30404656}"/>
+              </a:ext>
+            </a:extLst>
+          </p:cNvPr>
+          <p:cNvSpPr txBox="1"/>
+          <p:nvPr/>
+        </p:nvSpPr>
+        <p:spPr>
+          <a:xfrm>
+            <a:off x="248355" y="1072444"/>
+            <a:ext cx="11604977" cy="4708981"/>
+          </a:xfrm>
+          <a:prstGeom prst="rect">
+            <a:avLst/>
+          </a:prstGeom>
+          <a:noFill/>
+        </p:spPr>
+        <p:txBody>
+          <a:bodyPr wrap="square" rtlCol="0">
+            <a:spAutoFit/>
+          </a:bodyPr>
+          <a:lstStyle/>
+          <a:p>
+            <a:r>
+              <a:rPr lang="en-US" sz="2000" dirty="0">
+                <a:latin typeface="Euphemia" panose="020B0503040102020104" pitchFamily="34" charset="0"/>
+              </a:rPr>
+              <a:t>Autosar Meta-Model for Release 4.4.0 can be found here: </a:t>
+            </a:r>
+            <a:r>
+              <a:rPr lang="en-IN" sz="2000" u="sng" dirty="0">
+                <a:latin typeface="Euphemia" panose="020B0503040102020104" pitchFamily="34" charset="0"/>
+                <a:hlinkClick r:id="rId2"/>
+              </a:rPr>
+              <a:t>https://www.autosar.org/fileadmin/Releases_TEMP/Classic_Platform_4.4.0/MethodologyAndTemplates.zip</a:t>
+            </a:r>
+            <a:r>
+              <a:rPr lang="en-IN" sz="2000" u="sng" dirty="0">
+                <a:latin typeface="Euphemia" panose="020B0503040102020104" pitchFamily="34" charset="0"/>
+              </a:rPr>
+              <a:t> </a:t>
+            </a:r>
+          </a:p>
+          <a:p>
+            <a:endParaRPr lang="en-IN" sz="2000" u="sng" dirty="0">
+              <a:latin typeface="Euphemia" panose="020B0503040102020104" pitchFamily="34" charset="0"/>
+            </a:endParaRPr>
+          </a:p>
+          <a:p>
+            <a:r>
+              <a:rPr lang="en-IN" sz="2000" dirty="0">
+                <a:latin typeface="Euphemia" panose="020B0503040102020104" pitchFamily="34" charset="0"/>
+              </a:rPr>
+              <a:t>Also in GitHub Repository : </a:t>
+            </a:r>
+            <a:r>
+              <a:rPr lang="en-IN" sz="2000" u="sng" dirty="0">
+                <a:latin typeface="Euphemia" panose="020B0503040102020104" pitchFamily="34" charset="0"/>
+                <a:hlinkClick r:id="rId3"/>
+              </a:rPr>
+              <a:t>https://github.com/VicharaVandana/Autosar</a:t>
+            </a:r>
+            <a:r>
+              <a:rPr lang="en-IN" sz="2000" u="sng" dirty="0">
+                <a:latin typeface="Euphemia" panose="020B0503040102020104" pitchFamily="34" charset="0"/>
+              </a:rPr>
+              <a:t> </a:t>
+            </a:r>
+          </a:p>
+          <a:p>
+            <a:endParaRPr lang="en-IN" sz="2000" u="sng" dirty="0">
+              <a:latin typeface="Euphemia" panose="020B0503040102020104" pitchFamily="34" charset="0"/>
+            </a:endParaRPr>
+          </a:p>
+          <a:p>
+            <a:r>
+              <a:rPr lang="en-IN" sz="2000" dirty="0">
+                <a:latin typeface="Comic Sans MS" panose="030F0702030302020204" pitchFamily="66" charset="0"/>
+              </a:rPr>
+              <a:t>If you unzip, in the folder, you have a Enterprise Architect project file </a:t>
+            </a:r>
+            <a:r>
+              <a:rPr lang="en-IN" sz="2000" b="1" dirty="0" err="1">
+                <a:solidFill>
+                  <a:srgbClr val="C00000"/>
+                </a:solidFill>
+                <a:latin typeface="Comic Sans MS" panose="030F0702030302020204" pitchFamily="66" charset="0"/>
+              </a:rPr>
+              <a:t>AUTOSAR_MMOD_MetaModel.eap</a:t>
+            </a:r>
+            <a:r>
+              <a:rPr lang="en-IN" sz="2000" b="1" dirty="0">
+                <a:solidFill>
+                  <a:srgbClr val="C00000"/>
+                </a:solidFill>
+                <a:latin typeface="Comic Sans MS" panose="030F0702030302020204" pitchFamily="66" charset="0"/>
+              </a:rPr>
+              <a:t> </a:t>
+            </a:r>
+            <a:r>
+              <a:rPr lang="en-IN" sz="2000" dirty="0">
+                <a:latin typeface="Comic Sans MS" panose="030F0702030302020204" pitchFamily="66" charset="0"/>
+              </a:rPr>
+              <a:t>You need to open this in </a:t>
+            </a:r>
+            <a:r>
+              <a:rPr lang="en-IN" sz="2000" b="1" dirty="0">
+                <a:latin typeface="Comic Sans MS" panose="030F0702030302020204" pitchFamily="66" charset="0"/>
+              </a:rPr>
+              <a:t>Enterprise Architect </a:t>
+            </a:r>
+            <a:r>
+              <a:rPr lang="en-IN" sz="2000" dirty="0">
+                <a:latin typeface="Comic Sans MS" panose="030F0702030302020204" pitchFamily="66" charset="0"/>
+              </a:rPr>
+              <a:t>tool from </a:t>
+            </a:r>
+            <a:r>
+              <a:rPr lang="en-IN" sz="2000" dirty="0" err="1">
+                <a:latin typeface="Comic Sans MS" panose="030F0702030302020204" pitchFamily="66" charset="0"/>
+              </a:rPr>
+              <a:t>Sparx</a:t>
+            </a:r>
+            <a:r>
+              <a:rPr lang="en-IN" sz="2000" dirty="0">
+                <a:latin typeface="Comic Sans MS" panose="030F0702030302020204" pitchFamily="66" charset="0"/>
+              </a:rPr>
+              <a:t> Systems. </a:t>
+            </a:r>
+          </a:p>
+          <a:p>
+            <a:endParaRPr lang="en-IN" sz="2000" dirty="0">
+              <a:latin typeface="Comic Sans MS" panose="030F0702030302020204" pitchFamily="66" charset="0"/>
+            </a:endParaRPr>
+          </a:p>
+          <a:p>
+            <a:r>
+              <a:rPr lang="en-IN" sz="2000" dirty="0">
+                <a:latin typeface="Comic Sans MS" panose="030F0702030302020204" pitchFamily="66" charset="0"/>
+              </a:rPr>
+              <a:t>The rules and guidelines for the modelling language in this meta-model document are UML2.0 defined by </a:t>
+            </a:r>
+            <a:r>
+              <a:rPr lang="en-IN" sz="2000" b="1" dirty="0">
+                <a:latin typeface="Comic Sans MS" panose="030F0702030302020204" pitchFamily="66" charset="0"/>
+              </a:rPr>
+              <a:t>OMG [Object Management Group] </a:t>
+            </a:r>
+            <a:r>
+              <a:rPr lang="en-IN" sz="2000" dirty="0">
+                <a:latin typeface="Comic Sans MS" panose="030F0702030302020204" pitchFamily="66" charset="0"/>
+              </a:rPr>
+              <a:t>and this metamodel is called as </a:t>
+            </a:r>
+            <a:r>
+              <a:rPr lang="en-IN" sz="2000" b="1" dirty="0">
+                <a:latin typeface="Comic Sans MS" panose="030F0702030302020204" pitchFamily="66" charset="0"/>
+              </a:rPr>
+              <a:t>SPEM [Software Process Engineering Meta-Model]</a:t>
+            </a:r>
+          </a:p>
+          <a:p>
+            <a:endParaRPr lang="en-IN" sz="2000" dirty="0">
+              <a:latin typeface="Comic Sans MS" panose="030F0702030302020204" pitchFamily="66" charset="0"/>
+            </a:endParaRPr>
+          </a:p>
+          <a:p>
+            <a:r>
+              <a:rPr lang="en-IN" sz="2000" dirty="0">
+                <a:latin typeface="Comic Sans MS" panose="030F0702030302020204" pitchFamily="66" charset="0"/>
+              </a:rPr>
+              <a:t>The SPEM specification document can be found at : </a:t>
+            </a:r>
+            <a:r>
+              <a:rPr lang="en-IN" sz="2000" dirty="0">
+                <a:latin typeface="Comic Sans MS" panose="030F0702030302020204" pitchFamily="66" charset="0"/>
+                <a:hlinkClick r:id="rId4"/>
+              </a:rPr>
+              <a:t>https://www.omg.org/spec/SPEM/2.0/PDF</a:t>
+            </a:r>
+            <a:r>
+              <a:rPr lang="en-IN" sz="2000" dirty="0">
+                <a:latin typeface="Comic Sans MS" panose="030F0702030302020204" pitchFamily="66" charset="0"/>
+              </a:rPr>
+              <a:t> </a:t>
+            </a:r>
+          </a:p>
+        </p:txBody>
+      </p:sp>
+    </p:spTree>
+    <p:extLst>
+      <p:ext uri="{BB962C8B-B14F-4D97-AF65-F5344CB8AC3E}">
+        <p14:creationId xmlns:p14="http://schemas.microsoft.com/office/powerpoint/2010/main" val="491321271"/>
+      </p:ext>
+    </p:extLst>
+  </p:cSld>
+  <p:clrMapOvr>
+    <a:masterClrMapping/>
+  </p:clrMapOvr>
+</p:sld>
+</file>
+
+<file path=ppt/slides/slide11.xml><?xml version="1.0" encoding="utf-8"?>
+<p:sld xmlns:a="http://schemas.openxmlformats.org/drawingml/2006/main" xmlns:r="http://schemas.openxmlformats.org/officeDocument/2006/relationships" xmlns:p="http://schemas.openxmlformats.org/presentationml/2006/main">
+  <p:cSld>
+    <p:spTree>
+      <p:nvGrpSpPr>
+        <p:cNvPr id="1" name=""/>
+        <p:cNvGrpSpPr/>
+        <p:nvPr/>
+      </p:nvGrpSpPr>
+      <p:grpSpPr>
+        <a:xfrm>
+          <a:off x="0" y="0"/>
+          <a:ext cx="0" cy="0"/>
+          <a:chOff x="0" y="0"/>
+          <a:chExt cx="0" cy="0"/>
+        </a:xfrm>
+      </p:grpSpPr>
+      <p:sp>
+        <p:nvSpPr>
+          <p:cNvPr id="2" name="Rectangle 1">
+            <a:extLst>
+              <a:ext uri="{FF2B5EF4-FFF2-40B4-BE49-F238E27FC236}">
+                <a16:creationId xmlns:a16="http://schemas.microsoft.com/office/drawing/2014/main" id="{D33C1CD9-BB99-46D8-97B1-6970E6D4FF61}"/>
+              </a:ext>
+            </a:extLst>
+          </p:cNvPr>
+          <p:cNvSpPr/>
+          <p:nvPr/>
+        </p:nvSpPr>
+        <p:spPr>
+          <a:xfrm>
+            <a:off x="2804545" y="0"/>
+            <a:ext cx="6108787" cy="923330"/>
+          </a:xfrm>
+          <a:prstGeom prst="rect">
+            <a:avLst/>
+          </a:prstGeom>
+          <a:noFill/>
+        </p:spPr>
+        <p:txBody>
+          <a:bodyPr wrap="none" lIns="91440" tIns="45720" rIns="91440" bIns="45720">
+            <a:spAutoFit/>
+          </a:bodyPr>
+          <a:lstStyle/>
+          <a:p>
+            <a:pPr algn="ctr"/>
+            <a:r>
+              <a:rPr lang="en-US" sz="5400" b="1" cap="none" spc="0" dirty="0">
+                <a:ln w="13462">
+                  <a:solidFill>
+                    <a:schemeClr val="bg1"/>
+                  </a:solidFill>
+                  <a:prstDash val="solid"/>
+                </a:ln>
+                <a:solidFill>
+                  <a:schemeClr val="tx1">
+                    <a:lumMod val="85000"/>
+                    <a:lumOff val="15000"/>
+                  </a:schemeClr>
+                </a:solidFill>
+                <a:effectLst>
+                  <a:outerShdw dist="38100" dir="2700000" algn="bl" rotWithShape="0">
+                    <a:schemeClr val="accent5"/>
+                  </a:outerShdw>
+                </a:effectLst>
+              </a:rPr>
+              <a:t>Autosar Metamodel</a:t>
+            </a:r>
+          </a:p>
+        </p:txBody>
+      </p:sp>
+      <p:sp>
+        <p:nvSpPr>
+          <p:cNvPr id="3" name="Rectangle 2">
+            <a:extLst>
+              <a:ext uri="{FF2B5EF4-FFF2-40B4-BE49-F238E27FC236}">
+                <a16:creationId xmlns:a16="http://schemas.microsoft.com/office/drawing/2014/main" id="{BC659F09-C78F-45C9-9233-EA52F888FBA2}"/>
+              </a:ext>
+            </a:extLst>
+          </p:cNvPr>
+          <p:cNvSpPr/>
+          <p:nvPr/>
+        </p:nvSpPr>
+        <p:spPr>
+          <a:xfrm>
+            <a:off x="216532" y="923330"/>
+            <a:ext cx="11585223" cy="400110"/>
+          </a:xfrm>
+          <a:prstGeom prst="rect">
+            <a:avLst/>
+          </a:prstGeom>
+        </p:spPr>
+        <p:txBody>
+          <a:bodyPr wrap="none">
+            <a:spAutoFit/>
+          </a:bodyPr>
+          <a:lstStyle/>
+          <a:p>
+            <a:r>
+              <a:rPr lang="en-IN" sz="2000" b="1" dirty="0">
+                <a:latin typeface="Comic Sans MS" panose="030F0702030302020204" pitchFamily="66" charset="0"/>
+              </a:rPr>
+              <a:t>If you open </a:t>
+            </a:r>
+            <a:r>
+              <a:rPr lang="en-IN" sz="2000" b="1" dirty="0" err="1">
+                <a:solidFill>
+                  <a:srgbClr val="C00000"/>
+                </a:solidFill>
+                <a:latin typeface="Comic Sans MS" panose="030F0702030302020204" pitchFamily="66" charset="0"/>
+              </a:rPr>
+              <a:t>AUTOSAR_MMOD_MetaModel.eap</a:t>
+            </a:r>
+            <a:r>
+              <a:rPr lang="en-IN" sz="2000" b="1" dirty="0">
+                <a:solidFill>
+                  <a:srgbClr val="C00000"/>
+                </a:solidFill>
+                <a:latin typeface="Comic Sans MS" panose="030F0702030302020204" pitchFamily="66" charset="0"/>
+              </a:rPr>
+              <a:t> </a:t>
+            </a:r>
+            <a:r>
+              <a:rPr lang="en-IN" sz="2000" b="1" dirty="0">
+                <a:latin typeface="Comic Sans MS" panose="030F0702030302020204" pitchFamily="66" charset="0"/>
+              </a:rPr>
+              <a:t>file, then you will find 2 nodes: M1 and M2</a:t>
+            </a:r>
+            <a:endParaRPr lang="en-IN" sz="2000" dirty="0"/>
+          </a:p>
+        </p:txBody>
+      </p:sp>
+      <p:pic>
+        <p:nvPicPr>
+          <p:cNvPr id="4" name="Picture 3">
+            <a:extLst>
+              <a:ext uri="{FF2B5EF4-FFF2-40B4-BE49-F238E27FC236}">
+                <a16:creationId xmlns:a16="http://schemas.microsoft.com/office/drawing/2014/main" id="{BCFC5B76-32FA-4375-A99C-DFC94CEBD705}"/>
+              </a:ext>
+            </a:extLst>
+          </p:cNvPr>
+          <p:cNvPicPr>
+            <a:picLocks noChangeAspect="1"/>
+          </p:cNvPicPr>
+          <p:nvPr/>
+        </p:nvPicPr>
+        <p:blipFill>
+          <a:blip r:embed="rId2"/>
+          <a:stretch>
+            <a:fillRect/>
+          </a:stretch>
+        </p:blipFill>
+        <p:spPr>
+          <a:xfrm>
+            <a:off x="118811" y="1323440"/>
+            <a:ext cx="5371468" cy="5356298"/>
+          </a:xfrm>
+          <a:prstGeom prst="rect">
+            <a:avLst/>
+          </a:prstGeom>
+        </p:spPr>
+      </p:pic>
+      <p:sp>
+        <p:nvSpPr>
+          <p:cNvPr id="5" name="TextBox 4">
+            <a:extLst>
+              <a:ext uri="{FF2B5EF4-FFF2-40B4-BE49-F238E27FC236}">
+                <a16:creationId xmlns:a16="http://schemas.microsoft.com/office/drawing/2014/main" id="{71D5D648-E30E-4C00-A363-689496A1372C}"/>
+              </a:ext>
+            </a:extLst>
+          </p:cNvPr>
+          <p:cNvSpPr txBox="1"/>
+          <p:nvPr/>
+        </p:nvSpPr>
+        <p:spPr>
+          <a:xfrm>
+            <a:off x="5960533" y="1450784"/>
+            <a:ext cx="6231467" cy="923330"/>
+          </a:xfrm>
+          <a:prstGeom prst="rect">
+            <a:avLst/>
+          </a:prstGeom>
+          <a:noFill/>
+        </p:spPr>
+        <p:txBody>
+          <a:bodyPr wrap="square" rtlCol="0">
+            <a:spAutoFit/>
+          </a:bodyPr>
+          <a:lstStyle/>
+          <a:p>
+            <a:r>
+              <a:rPr lang="en-US" dirty="0">
+                <a:solidFill>
+                  <a:srgbClr val="0070C0"/>
+                </a:solidFill>
+              </a:rPr>
+              <a:t>M2 : Meta Model. All MMOD termed files and documents in the folder are related and comes from this M2 like the templates and methodology all the procedures and activities etc. </a:t>
+            </a:r>
+            <a:endParaRPr lang="en-IN" dirty="0">
+              <a:solidFill>
+                <a:srgbClr val="0070C0"/>
+              </a:solidFill>
+            </a:endParaRPr>
+          </a:p>
+        </p:txBody>
+      </p:sp>
+      <p:pic>
+        <p:nvPicPr>
+          <p:cNvPr id="6" name="Picture 5">
+            <a:extLst>
+              <a:ext uri="{FF2B5EF4-FFF2-40B4-BE49-F238E27FC236}">
+                <a16:creationId xmlns:a16="http://schemas.microsoft.com/office/drawing/2014/main" id="{05E77910-E862-4D1C-8A0D-4E0CE03281BE}"/>
+              </a:ext>
+            </a:extLst>
+          </p:cNvPr>
+          <p:cNvPicPr>
+            <a:picLocks noChangeAspect="1"/>
+          </p:cNvPicPr>
+          <p:nvPr/>
+        </p:nvPicPr>
+        <p:blipFill>
+          <a:blip r:embed="rId3"/>
+          <a:stretch>
+            <a:fillRect/>
+          </a:stretch>
+        </p:blipFill>
+        <p:spPr>
+          <a:xfrm>
+            <a:off x="6434389" y="2458539"/>
+            <a:ext cx="5638800" cy="1543050"/>
+          </a:xfrm>
+          <a:prstGeom prst="rect">
+            <a:avLst/>
+          </a:prstGeom>
+        </p:spPr>
+      </p:pic>
+      <p:cxnSp>
+        <p:nvCxnSpPr>
+          <p:cNvPr id="9" name="Straight Arrow Connector 8">
+            <a:extLst>
+              <a:ext uri="{FF2B5EF4-FFF2-40B4-BE49-F238E27FC236}">
+                <a16:creationId xmlns:a16="http://schemas.microsoft.com/office/drawing/2014/main" id="{E66A881D-C813-4948-8BEB-F37811E836DB}"/>
+              </a:ext>
+            </a:extLst>
+          </p:cNvPr>
+          <p:cNvCxnSpPr>
+            <a:cxnSpLocks/>
+          </p:cNvCxnSpPr>
+          <p:nvPr/>
+        </p:nvCxnSpPr>
+        <p:spPr>
+          <a:xfrm flipH="1" flipV="1">
+            <a:off x="4594579" y="1749779"/>
+            <a:ext cx="1839810" cy="1332088"/>
+          </a:xfrm>
+          <a:prstGeom prst="straightConnector1">
+            <a:avLst/>
+          </a:prstGeom>
+          <a:ln w="38100">
+            <a:solidFill>
+              <a:schemeClr val="tx1"/>
+            </a:solidFill>
+            <a:tailEnd type="triangle"/>
+          </a:ln>
+        </p:spPr>
+        <p:style>
+          <a:lnRef idx="1">
+            <a:schemeClr val="accent1"/>
+          </a:lnRef>
+          <a:fillRef idx="0">
+            <a:schemeClr val="accent1"/>
+          </a:fillRef>
+          <a:effectRef idx="0">
+            <a:schemeClr val="accent1"/>
+          </a:effectRef>
+          <a:fontRef idx="minor">
+            <a:schemeClr val="tx1"/>
+          </a:fontRef>
+        </p:style>
+      </p:cxnSp>
+      <p:cxnSp>
+        <p:nvCxnSpPr>
+          <p:cNvPr id="11" name="Straight Arrow Connector 10">
+            <a:extLst>
+              <a:ext uri="{FF2B5EF4-FFF2-40B4-BE49-F238E27FC236}">
+                <a16:creationId xmlns:a16="http://schemas.microsoft.com/office/drawing/2014/main" id="{64B114C6-3FC5-4996-8804-276BACB9D763}"/>
+              </a:ext>
+            </a:extLst>
+          </p:cNvPr>
+          <p:cNvCxnSpPr>
+            <a:cxnSpLocks/>
+          </p:cNvCxnSpPr>
+          <p:nvPr/>
+        </p:nvCxnSpPr>
+        <p:spPr>
+          <a:xfrm flipH="1">
+            <a:off x="3172178" y="3301679"/>
+            <a:ext cx="3238006" cy="1202588"/>
+          </a:xfrm>
+          <a:prstGeom prst="straightConnector1">
+            <a:avLst/>
+          </a:prstGeom>
+          <a:ln w="38100">
+            <a:solidFill>
+              <a:schemeClr val="tx1"/>
+            </a:solidFill>
+            <a:tailEnd type="triangle"/>
+          </a:ln>
+        </p:spPr>
+        <p:style>
+          <a:lnRef idx="1">
+            <a:schemeClr val="accent1"/>
+          </a:lnRef>
+          <a:fillRef idx="0">
+            <a:schemeClr val="accent1"/>
+          </a:fillRef>
+          <a:effectRef idx="0">
+            <a:schemeClr val="accent1"/>
+          </a:effectRef>
+          <a:fontRef idx="minor">
+            <a:schemeClr val="tx1"/>
+          </a:fontRef>
+        </p:style>
+      </p:cxnSp>
+      <p:cxnSp>
+        <p:nvCxnSpPr>
+          <p:cNvPr id="13" name="Straight Arrow Connector 12">
+            <a:extLst>
+              <a:ext uri="{FF2B5EF4-FFF2-40B4-BE49-F238E27FC236}">
+                <a16:creationId xmlns:a16="http://schemas.microsoft.com/office/drawing/2014/main" id="{D7262DF1-6F57-4A22-AB23-70A91FAD54D1}"/>
+              </a:ext>
+            </a:extLst>
+          </p:cNvPr>
+          <p:cNvCxnSpPr>
+            <a:cxnSpLocks/>
+          </p:cNvCxnSpPr>
+          <p:nvPr/>
+        </p:nvCxnSpPr>
+        <p:spPr>
+          <a:xfrm flipH="1">
+            <a:off x="3172178" y="3481977"/>
+            <a:ext cx="3262211" cy="1022290"/>
+          </a:xfrm>
+          <a:prstGeom prst="straightConnector1">
+            <a:avLst/>
+          </a:prstGeom>
+          <a:ln w="38100">
+            <a:solidFill>
+              <a:schemeClr val="tx1"/>
+            </a:solidFill>
+            <a:tailEnd type="triangle"/>
+          </a:ln>
+        </p:spPr>
+        <p:style>
+          <a:lnRef idx="1">
+            <a:schemeClr val="accent1"/>
+          </a:lnRef>
+          <a:fillRef idx="0">
+            <a:schemeClr val="accent1"/>
+          </a:fillRef>
+          <a:effectRef idx="0">
+            <a:schemeClr val="accent1"/>
+          </a:effectRef>
+          <a:fontRef idx="minor">
+            <a:schemeClr val="tx1"/>
+          </a:fontRef>
+        </p:style>
+      </p:cxnSp>
+      <p:cxnSp>
+        <p:nvCxnSpPr>
+          <p:cNvPr id="15" name="Straight Arrow Connector 14">
+            <a:extLst>
+              <a:ext uri="{FF2B5EF4-FFF2-40B4-BE49-F238E27FC236}">
+                <a16:creationId xmlns:a16="http://schemas.microsoft.com/office/drawing/2014/main" id="{1BFC7B36-FA3E-4149-8415-A26313D5CB32}"/>
+              </a:ext>
+            </a:extLst>
+          </p:cNvPr>
+          <p:cNvCxnSpPr>
+            <a:cxnSpLocks/>
+          </p:cNvCxnSpPr>
+          <p:nvPr/>
+        </p:nvCxnSpPr>
+        <p:spPr>
+          <a:xfrm flipH="1">
+            <a:off x="3172178" y="3658457"/>
+            <a:ext cx="3286417" cy="845810"/>
+          </a:xfrm>
+          <a:prstGeom prst="straightConnector1">
+            <a:avLst/>
+          </a:prstGeom>
+          <a:ln w="38100">
+            <a:solidFill>
+              <a:schemeClr val="tx1"/>
+            </a:solidFill>
+            <a:tailEnd type="triangle"/>
+          </a:ln>
+        </p:spPr>
+        <p:style>
+          <a:lnRef idx="1">
+            <a:schemeClr val="accent1"/>
+          </a:lnRef>
+          <a:fillRef idx="0">
+            <a:schemeClr val="accent1"/>
+          </a:fillRef>
+          <a:effectRef idx="0">
+            <a:schemeClr val="accent1"/>
+          </a:effectRef>
+          <a:fontRef idx="minor">
+            <a:schemeClr val="tx1"/>
+          </a:fontRef>
+        </p:style>
+      </p:cxnSp>
+      <p:cxnSp>
+        <p:nvCxnSpPr>
+          <p:cNvPr id="17" name="Straight Arrow Connector 16">
+            <a:extLst>
+              <a:ext uri="{FF2B5EF4-FFF2-40B4-BE49-F238E27FC236}">
+                <a16:creationId xmlns:a16="http://schemas.microsoft.com/office/drawing/2014/main" id="{3DA2EA67-701A-4120-9586-AE61A4B19EB2}"/>
+              </a:ext>
+            </a:extLst>
+          </p:cNvPr>
+          <p:cNvCxnSpPr>
+            <a:cxnSpLocks/>
+          </p:cNvCxnSpPr>
+          <p:nvPr/>
+        </p:nvCxnSpPr>
+        <p:spPr>
+          <a:xfrm flipH="1">
+            <a:off x="3172178" y="3858880"/>
+            <a:ext cx="3286417" cy="645387"/>
+          </a:xfrm>
+          <a:prstGeom prst="straightConnector1">
+            <a:avLst/>
+          </a:prstGeom>
+          <a:ln w="38100">
+            <a:solidFill>
+              <a:schemeClr val="tx1"/>
+            </a:solidFill>
+            <a:tailEnd type="triangle"/>
+          </a:ln>
+        </p:spPr>
+        <p:style>
+          <a:lnRef idx="1">
+            <a:schemeClr val="accent1"/>
+          </a:lnRef>
+          <a:fillRef idx="0">
+            <a:schemeClr val="accent1"/>
+          </a:fillRef>
+          <a:effectRef idx="0">
+            <a:schemeClr val="accent1"/>
+          </a:effectRef>
+          <a:fontRef idx="minor">
+            <a:schemeClr val="tx1"/>
+          </a:fontRef>
+        </p:style>
+      </p:cxnSp>
+      <p:sp>
+        <p:nvSpPr>
+          <p:cNvPr id="19" name="TextBox 18">
+            <a:extLst>
+              <a:ext uri="{FF2B5EF4-FFF2-40B4-BE49-F238E27FC236}">
+                <a16:creationId xmlns:a16="http://schemas.microsoft.com/office/drawing/2014/main" id="{482D059D-0DE4-48C9-9E0D-B86675480E99}"/>
+              </a:ext>
+            </a:extLst>
+          </p:cNvPr>
+          <p:cNvSpPr txBox="1"/>
+          <p:nvPr/>
+        </p:nvSpPr>
+        <p:spPr>
+          <a:xfrm>
+            <a:off x="5960532" y="4287721"/>
+            <a:ext cx="6231467" cy="923330"/>
+          </a:xfrm>
+          <a:prstGeom prst="rect">
+            <a:avLst/>
+          </a:prstGeom>
+          <a:noFill/>
+        </p:spPr>
+        <p:txBody>
+          <a:bodyPr wrap="square" rtlCol="0">
+            <a:spAutoFit/>
+          </a:bodyPr>
+          <a:lstStyle/>
+          <a:p>
+            <a:r>
+              <a:rPr lang="en-US" dirty="0">
+                <a:solidFill>
+                  <a:srgbClr val="0070C0"/>
+                </a:solidFill>
+              </a:rPr>
+              <a:t>M1 : Model. All MOD termed files and documents in the folder are related and comes from this M1. M1 is derived and hence an instance of M2 metamodel.</a:t>
+            </a:r>
+            <a:endParaRPr lang="en-IN" dirty="0">
+              <a:solidFill>
+                <a:srgbClr val="0070C0"/>
+              </a:solidFill>
+            </a:endParaRPr>
+          </a:p>
+        </p:txBody>
+      </p:sp>
+    </p:spTree>
+    <p:extLst>
+      <p:ext uri="{BB962C8B-B14F-4D97-AF65-F5344CB8AC3E}">
+        <p14:creationId xmlns:p14="http://schemas.microsoft.com/office/powerpoint/2010/main" val="732741742"/>
       </p:ext>
     </p:extLst>
   </p:cSld>
